--- a/Architechtures of the internet of things/Semester 2/IOT2/Architectures of the internet of things.pptx
+++ b/Architechtures of the internet of things/Semester 2/IOT2/Architectures of the internet of things.pptx
@@ -7,6 +7,10 @@
   <p:sldIdLst>
     <p:sldId id="256" r:id="rId2"/>
     <p:sldId id="257" r:id="rId3"/>
+    <p:sldId id="258" r:id="rId4"/>
+    <p:sldId id="259" r:id="rId5"/>
+    <p:sldId id="260" r:id="rId6"/>
+    <p:sldId id="261" r:id="rId7"/>
   </p:sldIdLst>
   <p:sldSz cx="12192000" cy="6858000"/>
   <p:notesSz cx="6858000" cy="9144000"/>
@@ -105,6 +109,11 @@
       </a:defRPr>
     </a:lvl9pPr>
   </p:defaultTextStyle>
+  <p:extLst>
+    <p:ext uri="{EFAFB233-063F-42B5-8137-9DF3F51BA10A}">
+      <p15:sldGuideLst xmlns:p15="http://schemas.microsoft.com/office/powerpoint/2012/main"/>
+    </p:ext>
+  </p:extLst>
 </p:presentation>
 </file>
 
@@ -278,7 +287,7 @@
           <a:p>
             <a:fld id="{48A87A34-81AB-432B-8DAE-1953F412C126}" type="datetimeFigureOut">
               <a:rPr lang="en-US" dirty="0"/>
-              <a:t>7/6/2019</a:t>
+              <a:t>7/7/2019</a:t>
             </a:fld>
             <a:endParaRPr lang="en-US" dirty="0"/>
           </a:p>
@@ -540,7 +549,7 @@
           <a:p>
             <a:fld id="{48A87A34-81AB-432B-8DAE-1953F412C126}" type="datetimeFigureOut">
               <a:rPr lang="en-US" dirty="0"/>
-              <a:t>7/6/2019</a:t>
+              <a:t>7/7/2019</a:t>
             </a:fld>
             <a:endParaRPr lang="en-US" dirty="0"/>
           </a:p>
@@ -767,7 +776,7 @@
             <a:fld id="{48A87A34-81AB-432B-8DAE-1953F412C126}" type="datetimeFigureOut">
               <a:rPr lang="en-US" dirty="0"/>
               <a:pPr/>
-              <a:t>7/6/2019</a:t>
+              <a:t>7/7/2019</a:t>
             </a:fld>
             <a:endParaRPr lang="en-US" dirty="0"/>
           </a:p>
@@ -1073,7 +1082,7 @@
             <a:fld id="{48A87A34-81AB-432B-8DAE-1953F412C126}" type="datetimeFigureOut">
               <a:rPr lang="en-US" dirty="0"/>
               <a:pPr/>
-              <a:t>7/6/2019</a:t>
+              <a:t>7/7/2019</a:t>
             </a:fld>
             <a:endParaRPr lang="en-US" dirty="0"/>
           </a:p>
@@ -1542,7 +1551,7 @@
             <a:fld id="{48A87A34-81AB-432B-8DAE-1953F412C126}" type="datetimeFigureOut">
               <a:rPr lang="en-US" dirty="0"/>
               <a:pPr/>
-              <a:t>7/6/2019</a:t>
+              <a:t>7/7/2019</a:t>
             </a:fld>
             <a:endParaRPr lang="en-US" dirty="0"/>
           </a:p>
@@ -2084,7 +2093,7 @@
           <a:p>
             <a:fld id="{48A87A34-81AB-432B-8DAE-1953F412C126}" type="datetimeFigureOut">
               <a:rPr lang="en-US" dirty="0"/>
-              <a:t>7/6/2019</a:t>
+              <a:t>7/7/2019</a:t>
             </a:fld>
             <a:endParaRPr lang="en-US" dirty="0"/>
           </a:p>
@@ -2853,7 +2862,7 @@
           <a:p>
             <a:fld id="{48A87A34-81AB-432B-8DAE-1953F412C126}" type="datetimeFigureOut">
               <a:rPr lang="en-US" dirty="0"/>
-              <a:t>7/6/2019</a:t>
+              <a:t>7/7/2019</a:t>
             </a:fld>
             <a:endParaRPr lang="en-US" dirty="0"/>
           </a:p>
@@ -3023,7 +3032,7 @@
           <a:p>
             <a:fld id="{48A87A34-81AB-432B-8DAE-1953F412C126}" type="datetimeFigureOut">
               <a:rPr lang="en-US" dirty="0"/>
-              <a:t>7/6/2019</a:t>
+              <a:t>7/7/2019</a:t>
             </a:fld>
             <a:endParaRPr lang="en-US" dirty="0"/>
           </a:p>
@@ -3242,7 +3251,7 @@
             <a:fld id="{48A87A34-81AB-432B-8DAE-1953F412C126}" type="datetimeFigureOut">
               <a:rPr lang="en-US" dirty="0"/>
               <a:pPr/>
-              <a:t>7/6/2019</a:t>
+              <a:t>7/7/2019</a:t>
             </a:fld>
             <a:endParaRPr lang="en-US" dirty="0"/>
           </a:p>
@@ -3417,7 +3426,7 @@
           <a:p>
             <a:fld id="{48A87A34-81AB-432B-8DAE-1953F412C126}" type="datetimeFigureOut">
               <a:rPr lang="en-US" dirty="0"/>
-              <a:t>7/6/2019</a:t>
+              <a:t>7/7/2019</a:t>
             </a:fld>
             <a:endParaRPr lang="en-US" dirty="0"/>
           </a:p>
@@ -3702,7 +3711,7 @@
             <a:fld id="{48A87A34-81AB-432B-8DAE-1953F412C126}" type="datetimeFigureOut">
               <a:rPr lang="en-US" dirty="0"/>
               <a:pPr/>
-              <a:t>7/6/2019</a:t>
+              <a:t>7/7/2019</a:t>
             </a:fld>
             <a:endParaRPr lang="en-US" dirty="0"/>
           </a:p>
@@ -3939,7 +3948,7 @@
           <a:p>
             <a:fld id="{48A87A34-81AB-432B-8DAE-1953F412C126}" type="datetimeFigureOut">
               <a:rPr lang="en-US" dirty="0"/>
-              <a:t>7/6/2019</a:t>
+              <a:t>7/7/2019</a:t>
             </a:fld>
             <a:endParaRPr lang="en-US" dirty="0"/>
           </a:p>
@@ -4313,7 +4322,7 @@
           <a:p>
             <a:fld id="{48A87A34-81AB-432B-8DAE-1953F412C126}" type="datetimeFigureOut">
               <a:rPr lang="en-US" dirty="0"/>
-              <a:t>7/6/2019</a:t>
+              <a:t>7/7/2019</a:t>
             </a:fld>
             <a:endParaRPr lang="en-US" dirty="0"/>
           </a:p>
@@ -4426,7 +4435,7 @@
           <a:p>
             <a:fld id="{48A87A34-81AB-432B-8DAE-1953F412C126}" type="datetimeFigureOut">
               <a:rPr lang="en-US" dirty="0"/>
-              <a:t>7/6/2019</a:t>
+              <a:t>7/7/2019</a:t>
             </a:fld>
             <a:endParaRPr lang="en-US" dirty="0"/>
           </a:p>
@@ -4516,7 +4525,7 @@
           <a:p>
             <a:fld id="{48A87A34-81AB-432B-8DAE-1953F412C126}" type="datetimeFigureOut">
               <a:rPr lang="en-US" dirty="0"/>
-              <a:t>7/6/2019</a:t>
+              <a:t>7/7/2019</a:t>
             </a:fld>
             <a:endParaRPr lang="en-US" dirty="0"/>
           </a:p>
@@ -4760,7 +4769,7 @@
           <a:p>
             <a:fld id="{48A87A34-81AB-432B-8DAE-1953F412C126}" type="datetimeFigureOut">
               <a:rPr lang="en-US" dirty="0"/>
-              <a:t>7/6/2019</a:t>
+              <a:t>7/7/2019</a:t>
             </a:fld>
             <a:endParaRPr lang="en-US" dirty="0"/>
           </a:p>
@@ -5012,7 +5021,7 @@
           <a:p>
             <a:fld id="{48A87A34-81AB-432B-8DAE-1953F412C126}" type="datetimeFigureOut">
               <a:rPr lang="en-US" dirty="0"/>
-              <a:t>7/6/2019</a:t>
+              <a:t>7/7/2019</a:t>
             </a:fld>
             <a:endParaRPr lang="en-US" dirty="0"/>
           </a:p>
@@ -5251,7 +5260,7 @@
             <a:fld id="{48A87A34-81AB-432B-8DAE-1953F412C126}" type="datetimeFigureOut">
               <a:rPr lang="en-US" dirty="0"/>
               <a:pPr/>
-              <a:t>7/6/2019</a:t>
+              <a:t>7/7/2019</a:t>
             </a:fld>
             <a:endParaRPr lang="en-US" dirty="0"/>
           </a:p>
@@ -5800,7 +5809,16 @@
           <a:bodyPr/>
           <a:lstStyle/>
           <a:p>
-            <a:endParaRPr lang="en-GB"/>
+            <a:r>
+              <a:rPr lang="en-GB" dirty="0"/>
+              <a:t>An Internet enabled smart device is a device that tends to be connected other smart devices and/or the internet via various wireless protocols such as WI-FI, LI-FI, NFC etc.</a:t>
+            </a:r>
+          </a:p>
+          <a:p>
+            <a:r>
+              <a:rPr lang="en-GB" dirty="0"/>
+              <a:t>The smart device in this presentation comprises of a Raspberry Pi 3 running Raspbian operating system connected to the IBM Bluemix platform for data capture and processing.</a:t>
+            </a:r>
           </a:p>
         </p:txBody>
       </p:sp>
@@ -5808,6 +5826,385 @@
     <p:extLst>
       <p:ext uri="{BB962C8B-B14F-4D97-AF65-F5344CB8AC3E}">
         <p14:creationId xmlns:p14="http://schemas.microsoft.com/office/powerpoint/2010/main" val="3935348139"/>
+      </p:ext>
+    </p:extLst>
+  </p:cSld>
+  <p:clrMapOvr>
+    <a:masterClrMapping/>
+  </p:clrMapOvr>
+</p:sld>
+</file>
+
+<file path=ppt/slides/slide3.xml><?xml version="1.0" encoding="utf-8"?>
+<p:sld xmlns:a="http://schemas.openxmlformats.org/drawingml/2006/main" xmlns:r="http://schemas.openxmlformats.org/officeDocument/2006/relationships" xmlns:p="http://schemas.openxmlformats.org/presentationml/2006/main">
+  <p:cSld>
+    <p:spTree>
+      <p:nvGrpSpPr>
+        <p:cNvPr id="1" name=""/>
+        <p:cNvGrpSpPr/>
+        <p:nvPr/>
+      </p:nvGrpSpPr>
+      <p:grpSpPr>
+        <a:xfrm>
+          <a:off x="0" y="0"/>
+          <a:ext cx="0" cy="0"/>
+          <a:chOff x="0" y="0"/>
+          <a:chExt cx="0" cy="0"/>
+        </a:xfrm>
+      </p:grpSpPr>
+      <p:sp>
+        <p:nvSpPr>
+          <p:cNvPr id="2" name="Title 1">
+            <a:extLst>
+              <a:ext uri="{FF2B5EF4-FFF2-40B4-BE49-F238E27FC236}">
+                <a16:creationId xmlns:a16="http://schemas.microsoft.com/office/drawing/2014/main" id="{27D0677F-4819-43A4-AC93-AA9C5D80014E}"/>
+              </a:ext>
+            </a:extLst>
+          </p:cNvPr>
+          <p:cNvSpPr>
+            <a:spLocks noGrp="1"/>
+          </p:cNvSpPr>
+          <p:nvPr>
+            <p:ph type="title"/>
+          </p:nvPr>
+        </p:nvSpPr>
+        <p:spPr/>
+        <p:txBody>
+          <a:bodyPr/>
+          <a:lstStyle/>
+          <a:p>
+            <a:r>
+              <a:rPr lang="en-GB" dirty="0"/>
+              <a:t>Methodology</a:t>
+            </a:r>
+          </a:p>
+        </p:txBody>
+      </p:sp>
+      <p:sp>
+        <p:nvSpPr>
+          <p:cNvPr id="3" name="Content Placeholder 2">
+            <a:extLst>
+              <a:ext uri="{FF2B5EF4-FFF2-40B4-BE49-F238E27FC236}">
+                <a16:creationId xmlns:a16="http://schemas.microsoft.com/office/drawing/2014/main" id="{0D5AAA69-AC49-4350-86A8-BE0FA977293B}"/>
+              </a:ext>
+            </a:extLst>
+          </p:cNvPr>
+          <p:cNvSpPr>
+            <a:spLocks noGrp="1"/>
+          </p:cNvSpPr>
+          <p:nvPr>
+            <p:ph idx="1"/>
+          </p:nvPr>
+        </p:nvSpPr>
+        <p:spPr/>
+        <p:txBody>
+          <a:bodyPr/>
+          <a:lstStyle/>
+          <a:p>
+            <a:r>
+              <a:rPr lang="en-GB" dirty="0"/>
+              <a:t>Setup Raspberry Pi for use</a:t>
+            </a:r>
+          </a:p>
+          <a:p>
+            <a:r>
+              <a:rPr lang="en-GB" dirty="0"/>
+              <a:t>Installed needed software</a:t>
+            </a:r>
+          </a:p>
+          <a:p>
+            <a:pPr lvl="1"/>
+            <a:r>
+              <a:rPr lang="en-GB" dirty="0"/>
+              <a:t>Node-red</a:t>
+            </a:r>
+          </a:p>
+          <a:p>
+            <a:r>
+              <a:rPr lang="en-GB" dirty="0"/>
+              <a:t>Connected Node-red to IBM Bluemix platform for data collection and processing</a:t>
+            </a:r>
+          </a:p>
+          <a:p>
+            <a:r>
+              <a:rPr lang="en-GB" dirty="0"/>
+              <a:t>Setup IBM Bluemix platform for data processing</a:t>
+            </a:r>
+          </a:p>
+        </p:txBody>
+      </p:sp>
+    </p:spTree>
+    <p:extLst>
+      <p:ext uri="{BB962C8B-B14F-4D97-AF65-F5344CB8AC3E}">
+        <p14:creationId xmlns:p14="http://schemas.microsoft.com/office/powerpoint/2010/main" val="1846675741"/>
+      </p:ext>
+    </p:extLst>
+  </p:cSld>
+  <p:clrMapOvr>
+    <a:masterClrMapping/>
+  </p:clrMapOvr>
+</p:sld>
+</file>
+
+<file path=ppt/slides/slide4.xml><?xml version="1.0" encoding="utf-8"?>
+<p:sld xmlns:a="http://schemas.openxmlformats.org/drawingml/2006/main" xmlns:r="http://schemas.openxmlformats.org/officeDocument/2006/relationships" xmlns:p="http://schemas.openxmlformats.org/presentationml/2006/main">
+  <p:cSld>
+    <p:spTree>
+      <p:nvGrpSpPr>
+        <p:cNvPr id="1" name=""/>
+        <p:cNvGrpSpPr/>
+        <p:nvPr/>
+      </p:nvGrpSpPr>
+      <p:grpSpPr>
+        <a:xfrm>
+          <a:off x="0" y="0"/>
+          <a:ext cx="0" cy="0"/>
+          <a:chOff x="0" y="0"/>
+          <a:chExt cx="0" cy="0"/>
+        </a:xfrm>
+      </p:grpSpPr>
+      <p:sp>
+        <p:nvSpPr>
+          <p:cNvPr id="2" name="Title 1">
+            <a:extLst>
+              <a:ext uri="{FF2B5EF4-FFF2-40B4-BE49-F238E27FC236}">
+                <a16:creationId xmlns:a16="http://schemas.microsoft.com/office/drawing/2014/main" id="{A6F1A3B7-FDFF-4DDE-81CE-8237F8A0518B}"/>
+              </a:ext>
+            </a:extLst>
+          </p:cNvPr>
+          <p:cNvSpPr>
+            <a:spLocks noGrp="1"/>
+          </p:cNvSpPr>
+          <p:nvPr>
+            <p:ph type="title"/>
+          </p:nvPr>
+        </p:nvSpPr>
+        <p:spPr/>
+        <p:txBody>
+          <a:bodyPr/>
+          <a:lstStyle/>
+          <a:p>
+            <a:r>
+              <a:rPr lang="en-GB" dirty="0"/>
+              <a:t>Features</a:t>
+            </a:r>
+          </a:p>
+        </p:txBody>
+      </p:sp>
+      <p:sp>
+        <p:nvSpPr>
+          <p:cNvPr id="3" name="Content Placeholder 2">
+            <a:extLst>
+              <a:ext uri="{FF2B5EF4-FFF2-40B4-BE49-F238E27FC236}">
+                <a16:creationId xmlns:a16="http://schemas.microsoft.com/office/drawing/2014/main" id="{9555841F-CE1E-42DF-9041-404A4FBE0DCC}"/>
+              </a:ext>
+            </a:extLst>
+          </p:cNvPr>
+          <p:cNvSpPr>
+            <a:spLocks noGrp="1"/>
+          </p:cNvSpPr>
+          <p:nvPr>
+            <p:ph idx="1"/>
+          </p:nvPr>
+        </p:nvSpPr>
+        <p:spPr/>
+        <p:txBody>
+          <a:bodyPr/>
+          <a:lstStyle/>
+          <a:p>
+            <a:r>
+              <a:rPr lang="en-GB" dirty="0"/>
+              <a:t>CPU temp of RPI is sent to IBM Bluemix and processed into a real time updating graph.</a:t>
+            </a:r>
+          </a:p>
+          <a:p>
+            <a:r>
+              <a:rPr lang="en-GB" dirty="0"/>
+              <a:t>Code has been implemented for an Arduino system to use a serial connection to get data to the RPI however this is untested as IBM Bluemix is unavailable.</a:t>
+            </a:r>
+          </a:p>
+        </p:txBody>
+      </p:sp>
+    </p:spTree>
+    <p:extLst>
+      <p:ext uri="{BB962C8B-B14F-4D97-AF65-F5344CB8AC3E}">
+        <p14:creationId xmlns:p14="http://schemas.microsoft.com/office/powerpoint/2010/main" val="2331042059"/>
+      </p:ext>
+    </p:extLst>
+  </p:cSld>
+  <p:clrMapOvr>
+    <a:masterClrMapping/>
+  </p:clrMapOvr>
+</p:sld>
+</file>
+
+<file path=ppt/slides/slide5.xml><?xml version="1.0" encoding="utf-8"?>
+<p:sld xmlns:a="http://schemas.openxmlformats.org/drawingml/2006/main" xmlns:r="http://schemas.openxmlformats.org/officeDocument/2006/relationships" xmlns:p="http://schemas.openxmlformats.org/presentationml/2006/main">
+  <p:cSld>
+    <p:spTree>
+      <p:nvGrpSpPr>
+        <p:cNvPr id="1" name=""/>
+        <p:cNvGrpSpPr/>
+        <p:nvPr/>
+      </p:nvGrpSpPr>
+      <p:grpSpPr>
+        <a:xfrm>
+          <a:off x="0" y="0"/>
+          <a:ext cx="0" cy="0"/>
+          <a:chOff x="0" y="0"/>
+          <a:chExt cx="0" cy="0"/>
+        </a:xfrm>
+      </p:grpSpPr>
+      <p:sp>
+        <p:nvSpPr>
+          <p:cNvPr id="2" name="Title 1">
+            <a:extLst>
+              <a:ext uri="{FF2B5EF4-FFF2-40B4-BE49-F238E27FC236}">
+                <a16:creationId xmlns:a16="http://schemas.microsoft.com/office/drawing/2014/main" id="{55E492CD-0CEA-4CF9-86E4-42F478A53117}"/>
+              </a:ext>
+            </a:extLst>
+          </p:cNvPr>
+          <p:cNvSpPr>
+            <a:spLocks noGrp="1"/>
+          </p:cNvSpPr>
+          <p:nvPr>
+            <p:ph type="title"/>
+          </p:nvPr>
+        </p:nvSpPr>
+        <p:spPr/>
+        <p:txBody>
+          <a:bodyPr/>
+          <a:lstStyle/>
+          <a:p>
+            <a:r>
+              <a:rPr lang="en-GB" dirty="0"/>
+              <a:t>Demonstration of product</a:t>
+            </a:r>
+          </a:p>
+        </p:txBody>
+      </p:sp>
+      <p:sp>
+        <p:nvSpPr>
+          <p:cNvPr id="3" name="Content Placeholder 2">
+            <a:extLst>
+              <a:ext uri="{FF2B5EF4-FFF2-40B4-BE49-F238E27FC236}">
+                <a16:creationId xmlns:a16="http://schemas.microsoft.com/office/drawing/2014/main" id="{26B7E4F8-3178-48E0-A8D4-4F2B6E55F079}"/>
+              </a:ext>
+            </a:extLst>
+          </p:cNvPr>
+          <p:cNvSpPr>
+            <a:spLocks noGrp="1"/>
+          </p:cNvSpPr>
+          <p:nvPr>
+            <p:ph idx="1"/>
+          </p:nvPr>
+        </p:nvSpPr>
+        <p:spPr/>
+        <p:txBody>
+          <a:bodyPr/>
+          <a:lstStyle/>
+          <a:p>
+            <a:endParaRPr lang="en-GB"/>
+          </a:p>
+        </p:txBody>
+      </p:sp>
+    </p:spTree>
+    <p:extLst>
+      <p:ext uri="{BB962C8B-B14F-4D97-AF65-F5344CB8AC3E}">
+        <p14:creationId xmlns:p14="http://schemas.microsoft.com/office/powerpoint/2010/main" val="2218778623"/>
+      </p:ext>
+    </p:extLst>
+  </p:cSld>
+  <p:clrMapOvr>
+    <a:masterClrMapping/>
+  </p:clrMapOvr>
+</p:sld>
+</file>
+
+<file path=ppt/slides/slide6.xml><?xml version="1.0" encoding="utf-8"?>
+<p:sld xmlns:a="http://schemas.openxmlformats.org/drawingml/2006/main" xmlns:r="http://schemas.openxmlformats.org/officeDocument/2006/relationships" xmlns:p="http://schemas.openxmlformats.org/presentationml/2006/main">
+  <p:cSld>
+    <p:spTree>
+      <p:nvGrpSpPr>
+        <p:cNvPr id="1" name=""/>
+        <p:cNvGrpSpPr/>
+        <p:nvPr/>
+      </p:nvGrpSpPr>
+      <p:grpSpPr>
+        <a:xfrm>
+          <a:off x="0" y="0"/>
+          <a:ext cx="0" cy="0"/>
+          <a:chOff x="0" y="0"/>
+          <a:chExt cx="0" cy="0"/>
+        </a:xfrm>
+      </p:grpSpPr>
+      <p:sp>
+        <p:nvSpPr>
+          <p:cNvPr id="2" name="Title 1">
+            <a:extLst>
+              <a:ext uri="{FF2B5EF4-FFF2-40B4-BE49-F238E27FC236}">
+                <a16:creationId xmlns:a16="http://schemas.microsoft.com/office/drawing/2014/main" id="{3A830A83-3A65-479A-A608-2CF983411C82}"/>
+              </a:ext>
+            </a:extLst>
+          </p:cNvPr>
+          <p:cNvSpPr>
+            <a:spLocks noGrp="1"/>
+          </p:cNvSpPr>
+          <p:nvPr>
+            <p:ph type="title"/>
+          </p:nvPr>
+        </p:nvSpPr>
+        <p:spPr/>
+        <p:txBody>
+          <a:bodyPr/>
+          <a:lstStyle/>
+          <a:p>
+            <a:r>
+              <a:rPr lang="en-GB" dirty="0"/>
+              <a:t>Next steps</a:t>
+            </a:r>
+          </a:p>
+        </p:txBody>
+      </p:sp>
+      <p:sp>
+        <p:nvSpPr>
+          <p:cNvPr id="3" name="Content Placeholder 2">
+            <a:extLst>
+              <a:ext uri="{FF2B5EF4-FFF2-40B4-BE49-F238E27FC236}">
+                <a16:creationId xmlns:a16="http://schemas.microsoft.com/office/drawing/2014/main" id="{929DE0F1-C849-4B8C-8FEC-AF83A3DA6D24}"/>
+              </a:ext>
+            </a:extLst>
+          </p:cNvPr>
+          <p:cNvSpPr>
+            <a:spLocks noGrp="1"/>
+          </p:cNvSpPr>
+          <p:nvPr>
+            <p:ph idx="1"/>
+          </p:nvPr>
+        </p:nvSpPr>
+        <p:spPr/>
+        <p:txBody>
+          <a:bodyPr/>
+          <a:lstStyle/>
+          <a:p>
+            <a:r>
+              <a:rPr lang="en-GB" dirty="0"/>
+              <a:t>Connecting the system to other internet enabled devices that use either WI-FI or LI-FI so that other areas of buildings can be monitored.</a:t>
+            </a:r>
+          </a:p>
+          <a:p>
+            <a:pPr lvl="1"/>
+            <a:r>
+              <a:rPr lang="en-GB" dirty="0"/>
+              <a:t>Devices would be fitted to monitor temperature humidity and light level.</a:t>
+            </a:r>
+          </a:p>
+        </p:txBody>
+      </p:sp>
+    </p:spTree>
+    <p:extLst>
+      <p:ext uri="{BB962C8B-B14F-4D97-AF65-F5344CB8AC3E}">
+        <p14:creationId xmlns:p14="http://schemas.microsoft.com/office/powerpoint/2010/main" val="4167527918"/>
       </p:ext>
     </p:extLst>
   </p:cSld>

--- a/Architechtures of the internet of things/Semester 2/IOT2/Architectures of the internet of things.pptx
+++ b/Architechtures of the internet of things/Semester 2/IOT2/Architectures of the internet of things.pptx
@@ -111,7 +111,7 @@
   </p:defaultTextStyle>
   <p:extLst>
     <p:ext uri="{EFAFB233-063F-42B5-8137-9DF3F51BA10A}">
-      <p15:sldGuideLst xmlns:p15="http://schemas.microsoft.com/office/powerpoint/2012/main"/>
+      <p15:sldGuideLst xmlns:p15="http://schemas.microsoft.com/office/powerpoint/2012/main" xmlns=""/>
     </p:ext>
   </p:extLst>
 </p:presentation>
@@ -287,7 +287,7 @@
           <a:p>
             <a:fld id="{48A87A34-81AB-432B-8DAE-1953F412C126}" type="datetimeFigureOut">
               <a:rPr lang="en-US" dirty="0"/>
-              <a:t>7/7/2019</a:t>
+              <a:t>7/8/2019</a:t>
             </a:fld>
             <a:endParaRPr lang="en-US" dirty="0"/>
           </a:p>
@@ -549,7 +549,7 @@
           <a:p>
             <a:fld id="{48A87A34-81AB-432B-8DAE-1953F412C126}" type="datetimeFigureOut">
               <a:rPr lang="en-US" dirty="0"/>
-              <a:t>7/7/2019</a:t>
+              <a:t>7/8/2019</a:t>
             </a:fld>
             <a:endParaRPr lang="en-US" dirty="0"/>
           </a:p>
@@ -776,7 +776,7 @@
             <a:fld id="{48A87A34-81AB-432B-8DAE-1953F412C126}" type="datetimeFigureOut">
               <a:rPr lang="en-US" dirty="0"/>
               <a:pPr/>
-              <a:t>7/7/2019</a:t>
+              <a:t>7/8/2019</a:t>
             </a:fld>
             <a:endParaRPr lang="en-US" dirty="0"/>
           </a:p>
@@ -1082,7 +1082,7 @@
             <a:fld id="{48A87A34-81AB-432B-8DAE-1953F412C126}" type="datetimeFigureOut">
               <a:rPr lang="en-US" dirty="0"/>
               <a:pPr/>
-              <a:t>7/7/2019</a:t>
+              <a:t>7/8/2019</a:t>
             </a:fld>
             <a:endParaRPr lang="en-US" dirty="0"/>
           </a:p>
@@ -1551,7 +1551,7 @@
             <a:fld id="{48A87A34-81AB-432B-8DAE-1953F412C126}" type="datetimeFigureOut">
               <a:rPr lang="en-US" dirty="0"/>
               <a:pPr/>
-              <a:t>7/7/2019</a:t>
+              <a:t>7/8/2019</a:t>
             </a:fld>
             <a:endParaRPr lang="en-US" dirty="0"/>
           </a:p>
@@ -2093,7 +2093,7 @@
           <a:p>
             <a:fld id="{48A87A34-81AB-432B-8DAE-1953F412C126}" type="datetimeFigureOut">
               <a:rPr lang="en-US" dirty="0"/>
-              <a:t>7/7/2019</a:t>
+              <a:t>7/8/2019</a:t>
             </a:fld>
             <a:endParaRPr lang="en-US" dirty="0"/>
           </a:p>
@@ -2862,7 +2862,7 @@
           <a:p>
             <a:fld id="{48A87A34-81AB-432B-8DAE-1953F412C126}" type="datetimeFigureOut">
               <a:rPr lang="en-US" dirty="0"/>
-              <a:t>7/7/2019</a:t>
+              <a:t>7/8/2019</a:t>
             </a:fld>
             <a:endParaRPr lang="en-US" dirty="0"/>
           </a:p>
@@ -3032,7 +3032,7 @@
           <a:p>
             <a:fld id="{48A87A34-81AB-432B-8DAE-1953F412C126}" type="datetimeFigureOut">
               <a:rPr lang="en-US" dirty="0"/>
-              <a:t>7/7/2019</a:t>
+              <a:t>7/8/2019</a:t>
             </a:fld>
             <a:endParaRPr lang="en-US" dirty="0"/>
           </a:p>
@@ -3251,7 +3251,7 @@
             <a:fld id="{48A87A34-81AB-432B-8DAE-1953F412C126}" type="datetimeFigureOut">
               <a:rPr lang="en-US" dirty="0"/>
               <a:pPr/>
-              <a:t>7/7/2019</a:t>
+              <a:t>7/8/2019</a:t>
             </a:fld>
             <a:endParaRPr lang="en-US" dirty="0"/>
           </a:p>
@@ -3426,7 +3426,7 @@
           <a:p>
             <a:fld id="{48A87A34-81AB-432B-8DAE-1953F412C126}" type="datetimeFigureOut">
               <a:rPr lang="en-US" dirty="0"/>
-              <a:t>7/7/2019</a:t>
+              <a:t>7/8/2019</a:t>
             </a:fld>
             <a:endParaRPr lang="en-US" dirty="0"/>
           </a:p>
@@ -3711,7 +3711,7 @@
             <a:fld id="{48A87A34-81AB-432B-8DAE-1953F412C126}" type="datetimeFigureOut">
               <a:rPr lang="en-US" dirty="0"/>
               <a:pPr/>
-              <a:t>7/7/2019</a:t>
+              <a:t>7/8/2019</a:t>
             </a:fld>
             <a:endParaRPr lang="en-US" dirty="0"/>
           </a:p>
@@ -3948,7 +3948,7 @@
           <a:p>
             <a:fld id="{48A87A34-81AB-432B-8DAE-1953F412C126}" type="datetimeFigureOut">
               <a:rPr lang="en-US" dirty="0"/>
-              <a:t>7/7/2019</a:t>
+              <a:t>7/8/2019</a:t>
             </a:fld>
             <a:endParaRPr lang="en-US" dirty="0"/>
           </a:p>
@@ -4322,7 +4322,7 @@
           <a:p>
             <a:fld id="{48A87A34-81AB-432B-8DAE-1953F412C126}" type="datetimeFigureOut">
               <a:rPr lang="en-US" dirty="0"/>
-              <a:t>7/7/2019</a:t>
+              <a:t>7/8/2019</a:t>
             </a:fld>
             <a:endParaRPr lang="en-US" dirty="0"/>
           </a:p>
@@ -4435,7 +4435,7 @@
           <a:p>
             <a:fld id="{48A87A34-81AB-432B-8DAE-1953F412C126}" type="datetimeFigureOut">
               <a:rPr lang="en-US" dirty="0"/>
-              <a:t>7/7/2019</a:t>
+              <a:t>7/8/2019</a:t>
             </a:fld>
             <a:endParaRPr lang="en-US" dirty="0"/>
           </a:p>
@@ -4525,7 +4525,7 @@
           <a:p>
             <a:fld id="{48A87A34-81AB-432B-8DAE-1953F412C126}" type="datetimeFigureOut">
               <a:rPr lang="en-US" dirty="0"/>
-              <a:t>7/7/2019</a:t>
+              <a:t>7/8/2019</a:t>
             </a:fld>
             <a:endParaRPr lang="en-US" dirty="0"/>
           </a:p>
@@ -4769,7 +4769,7 @@
           <a:p>
             <a:fld id="{48A87A34-81AB-432B-8DAE-1953F412C126}" type="datetimeFigureOut">
               <a:rPr lang="en-US" dirty="0"/>
-              <a:t>7/7/2019</a:t>
+              <a:t>7/8/2019</a:t>
             </a:fld>
             <a:endParaRPr lang="en-US" dirty="0"/>
           </a:p>
@@ -5021,7 +5021,7 @@
           <a:p>
             <a:fld id="{48A87A34-81AB-432B-8DAE-1953F412C126}" type="datetimeFigureOut">
               <a:rPr lang="en-US" dirty="0"/>
-              <a:t>7/7/2019</a:t>
+              <a:t>7/8/2019</a:t>
             </a:fld>
             <a:endParaRPr lang="en-US" dirty="0"/>
           </a:p>
@@ -5260,7 +5260,7 @@
             <a:fld id="{48A87A34-81AB-432B-8DAE-1953F412C126}" type="datetimeFigureOut">
               <a:rPr lang="en-US" dirty="0"/>
               <a:pPr/>
-              <a:t>7/7/2019</a:t>
+              <a:t>7/8/2019</a:t>
             </a:fld>
             <a:endParaRPr lang="en-US" dirty="0"/>
           </a:p>
@@ -5672,7 +5672,7 @@
           <p:cNvPr id="2" name="Title 1">
             <a:extLst>
               <a:ext uri="{FF2B5EF4-FFF2-40B4-BE49-F238E27FC236}">
-                <a16:creationId xmlns:a16="http://schemas.microsoft.com/office/drawing/2014/main" id="{282F1714-AB81-4670-8998-7FC76422DF83}"/>
+                <a16:creationId xmlns:a16="http://schemas.microsoft.com/office/drawing/2014/main" xmlns="" id="{282F1714-AB81-4670-8998-7FC76422DF83}"/>
               </a:ext>
             </a:extLst>
           </p:cNvPr>
@@ -5702,7 +5702,7 @@
           <p:cNvPr id="3" name="Subtitle 2">
             <a:extLst>
               <a:ext uri="{FF2B5EF4-FFF2-40B4-BE49-F238E27FC236}">
-                <a16:creationId xmlns:a16="http://schemas.microsoft.com/office/drawing/2014/main" id="{182254CC-517F-4C2F-897B-18FCC929B69D}"/>
+                <a16:creationId xmlns:a16="http://schemas.microsoft.com/office/drawing/2014/main" xmlns="" id="{182254CC-517F-4C2F-897B-18FCC929B69D}"/>
               </a:ext>
             </a:extLst>
           </p:cNvPr>
@@ -5760,7 +5760,7 @@
           <p:cNvPr id="2" name="Title 1">
             <a:extLst>
               <a:ext uri="{FF2B5EF4-FFF2-40B4-BE49-F238E27FC236}">
-                <a16:creationId xmlns:a16="http://schemas.microsoft.com/office/drawing/2014/main" id="{51A134B8-1E6E-4547-A75D-464CBB5DE6AD}"/>
+                <a16:creationId xmlns:a16="http://schemas.microsoft.com/office/drawing/2014/main" xmlns="" id="{51A134B8-1E6E-4547-A75D-464CBB5DE6AD}"/>
               </a:ext>
             </a:extLst>
           </p:cNvPr>
@@ -5793,7 +5793,7 @@
           <p:cNvPr id="3" name="Content Placeholder 2">
             <a:extLst>
               <a:ext uri="{FF2B5EF4-FFF2-40B4-BE49-F238E27FC236}">
-                <a16:creationId xmlns:a16="http://schemas.microsoft.com/office/drawing/2014/main" id="{23C362E0-09FE-4698-8FA3-F549C7FBE859}"/>
+                <a16:creationId xmlns:a16="http://schemas.microsoft.com/office/drawing/2014/main" xmlns="" id="{23C362E0-09FE-4698-8FA3-F549C7FBE859}"/>
               </a:ext>
             </a:extLst>
           </p:cNvPr>
@@ -5857,7 +5857,7 @@
           <p:cNvPr id="2" name="Title 1">
             <a:extLst>
               <a:ext uri="{FF2B5EF4-FFF2-40B4-BE49-F238E27FC236}">
-                <a16:creationId xmlns:a16="http://schemas.microsoft.com/office/drawing/2014/main" id="{27D0677F-4819-43A4-AC93-AA9C5D80014E}"/>
+                <a16:creationId xmlns:a16="http://schemas.microsoft.com/office/drawing/2014/main" xmlns="" id="{27D0677F-4819-43A4-AC93-AA9C5D80014E}"/>
               </a:ext>
             </a:extLst>
           </p:cNvPr>
@@ -5885,7 +5885,7 @@
           <p:cNvPr id="3" name="Content Placeholder 2">
             <a:extLst>
               <a:ext uri="{FF2B5EF4-FFF2-40B4-BE49-F238E27FC236}">
-                <a16:creationId xmlns:a16="http://schemas.microsoft.com/office/drawing/2014/main" id="{0D5AAA69-AC49-4350-86A8-BE0FA977293B}"/>
+                <a16:creationId xmlns:a16="http://schemas.microsoft.com/office/drawing/2014/main" xmlns="" id="{0D5AAA69-AC49-4350-86A8-BE0FA977293B}"/>
               </a:ext>
             </a:extLst>
           </p:cNvPr>
@@ -5968,7 +5968,7 @@
           <p:cNvPr id="2" name="Title 1">
             <a:extLst>
               <a:ext uri="{FF2B5EF4-FFF2-40B4-BE49-F238E27FC236}">
-                <a16:creationId xmlns:a16="http://schemas.microsoft.com/office/drawing/2014/main" id="{A6F1A3B7-FDFF-4DDE-81CE-8237F8A0518B}"/>
+                <a16:creationId xmlns:a16="http://schemas.microsoft.com/office/drawing/2014/main" xmlns="" id="{A6F1A3B7-FDFF-4DDE-81CE-8237F8A0518B}"/>
               </a:ext>
             </a:extLst>
           </p:cNvPr>
@@ -5996,7 +5996,7 @@
           <p:cNvPr id="3" name="Content Placeholder 2">
             <a:extLst>
               <a:ext uri="{FF2B5EF4-FFF2-40B4-BE49-F238E27FC236}">
-                <a16:creationId xmlns:a16="http://schemas.microsoft.com/office/drawing/2014/main" id="{9555841F-CE1E-42DF-9041-404A4FBE0DCC}"/>
+                <a16:creationId xmlns:a16="http://schemas.microsoft.com/office/drawing/2014/main" xmlns="" id="{9555841F-CE1E-42DF-9041-404A4FBE0DCC}"/>
               </a:ext>
             </a:extLst>
           </p:cNvPr>
@@ -6060,7 +6060,7 @@
           <p:cNvPr id="2" name="Title 1">
             <a:extLst>
               <a:ext uri="{FF2B5EF4-FFF2-40B4-BE49-F238E27FC236}">
-                <a16:creationId xmlns:a16="http://schemas.microsoft.com/office/drawing/2014/main" id="{55E492CD-0CEA-4CF9-86E4-42F478A53117}"/>
+                <a16:creationId xmlns:a16="http://schemas.microsoft.com/office/drawing/2014/main" xmlns="" id="{55E492CD-0CEA-4CF9-86E4-42F478A53117}"/>
               </a:ext>
             </a:extLst>
           </p:cNvPr>
@@ -6071,7 +6071,12 @@
             <p:ph type="title"/>
           </p:nvPr>
         </p:nvSpPr>
-        <p:spPr/>
+        <p:spPr>
+          <a:xfrm>
+            <a:off x="2987040" y="2968077"/>
+            <a:ext cx="8610600" cy="1293028"/>
+          </a:xfrm>
+        </p:spPr>
         <p:txBody>
           <a:bodyPr/>
           <a:lstStyle/>
@@ -6080,31 +6085,6 @@
               <a:rPr lang="en-GB" dirty="0"/>
               <a:t>Demonstration of product</a:t>
             </a:r>
-          </a:p>
-        </p:txBody>
-      </p:sp>
-      <p:sp>
-        <p:nvSpPr>
-          <p:cNvPr id="3" name="Content Placeholder 2">
-            <a:extLst>
-              <a:ext uri="{FF2B5EF4-FFF2-40B4-BE49-F238E27FC236}">
-                <a16:creationId xmlns:a16="http://schemas.microsoft.com/office/drawing/2014/main" id="{26B7E4F8-3178-48E0-A8D4-4F2B6E55F079}"/>
-              </a:ext>
-            </a:extLst>
-          </p:cNvPr>
-          <p:cNvSpPr>
-            <a:spLocks noGrp="1"/>
-          </p:cNvSpPr>
-          <p:nvPr>
-            <p:ph idx="1"/>
-          </p:nvPr>
-        </p:nvSpPr>
-        <p:spPr/>
-        <p:txBody>
-          <a:bodyPr/>
-          <a:lstStyle/>
-          <a:p>
-            <a:endParaRPr lang="en-GB"/>
           </a:p>
         </p:txBody>
       </p:sp>
@@ -6143,7 +6123,7 @@
           <p:cNvPr id="2" name="Title 1">
             <a:extLst>
               <a:ext uri="{FF2B5EF4-FFF2-40B4-BE49-F238E27FC236}">
-                <a16:creationId xmlns:a16="http://schemas.microsoft.com/office/drawing/2014/main" id="{3A830A83-3A65-479A-A608-2CF983411C82}"/>
+                <a16:creationId xmlns:a16="http://schemas.microsoft.com/office/drawing/2014/main" xmlns="" id="{3A830A83-3A65-479A-A608-2CF983411C82}"/>
               </a:ext>
             </a:extLst>
           </p:cNvPr>
@@ -6171,7 +6151,7 @@
           <p:cNvPr id="3" name="Content Placeholder 2">
             <a:extLst>
               <a:ext uri="{FF2B5EF4-FFF2-40B4-BE49-F238E27FC236}">
-                <a16:creationId xmlns:a16="http://schemas.microsoft.com/office/drawing/2014/main" id="{929DE0F1-C849-4B8C-8FEC-AF83A3DA6D24}"/>
+                <a16:creationId xmlns:a16="http://schemas.microsoft.com/office/drawing/2014/main" xmlns="" id="{929DE0F1-C849-4B8C-8FEC-AF83A3DA6D24}"/>
               </a:ext>
             </a:extLst>
           </p:cNvPr>
@@ -6478,7 +6458,7 @@
   <a:extraClrSchemeLst/>
   <a:extLst>
     <a:ext uri="{05A4C25C-085E-4340-85A3-A5531E510DB2}">
-      <thm15:themeFamily xmlns:thm15="http://schemas.microsoft.com/office/thememl/2012/main" name="Vapor Trail" id="{4FDF2955-7D9C-493C-B9F9-C205151B46CD}" vid="{2B2A868B-6BC2-4B3E-98B9-1258F41035DE}"/>
+      <thm15:themeFamily xmlns:thm15="http://schemas.microsoft.com/office/thememl/2012/main" xmlns="" name="Vapor Trail" id="{4FDF2955-7D9C-493C-B9F9-C205151B46CD}" vid="{2B2A868B-6BC2-4B3E-98B9-1258F41035DE}"/>
     </a:ext>
   </a:extLst>
 </a:theme>
